--- a/presentation/OOAD and uml.pptx
+++ b/presentation/OOAD and uml.pptx
@@ -457,7 +457,7 @@
           <a:p>
             <a:fld id="{48A87A34-81AB-432B-8DAE-1953F412C126}" type="datetimeFigureOut">
               <a:rPr lang="en-US" dirty="0"/>
-              <a:t>8/30/2023</a:t>
+              <a:t>8/31/2023</a:t>
             </a:fld>
             <a:endParaRPr lang="en-US" dirty="0"/>
           </a:p>
@@ -663,7 +663,7 @@
           <a:p>
             <a:fld id="{48A87A34-81AB-432B-8DAE-1953F412C126}" type="datetimeFigureOut">
               <a:rPr lang="en-US" dirty="0"/>
-              <a:t>8/30/2023</a:t>
+              <a:t>8/31/2023</a:t>
             </a:fld>
             <a:endParaRPr lang="en-US" dirty="0"/>
           </a:p>
@@ -873,7 +873,7 @@
           <a:p>
             <a:fld id="{48A87A34-81AB-432B-8DAE-1953F412C126}" type="datetimeFigureOut">
               <a:rPr lang="en-US" dirty="0"/>
-              <a:t>8/30/2023</a:t>
+              <a:t>8/31/2023</a:t>
             </a:fld>
             <a:endParaRPr lang="en-US" dirty="0"/>
           </a:p>
@@ -1069,7 +1069,7 @@
           <a:p>
             <a:fld id="{48A87A34-81AB-432B-8DAE-1953F412C126}" type="datetimeFigureOut">
               <a:rPr lang="en-US" dirty="0"/>
-              <a:t>8/30/2023</a:t>
+              <a:t>8/31/2023</a:t>
             </a:fld>
             <a:endParaRPr lang="en-US" dirty="0"/>
           </a:p>
@@ -1343,7 +1343,7 @@
           <a:p>
             <a:fld id="{48A87A34-81AB-432B-8DAE-1953F412C126}" type="datetimeFigureOut">
               <a:rPr lang="en-US" dirty="0"/>
-              <a:t>8/30/2023</a:t>
+              <a:t>8/31/2023</a:t>
             </a:fld>
             <a:endParaRPr lang="en-US" dirty="0"/>
           </a:p>
@@ -1606,7 +1606,7 @@
           <a:p>
             <a:fld id="{48A87A34-81AB-432B-8DAE-1953F412C126}" type="datetimeFigureOut">
               <a:rPr lang="en-US" dirty="0"/>
-              <a:t>8/30/2023</a:t>
+              <a:t>8/31/2023</a:t>
             </a:fld>
             <a:endParaRPr lang="en-US" dirty="0"/>
           </a:p>
@@ -2017,7 +2017,7 @@
           <a:p>
             <a:fld id="{48A87A34-81AB-432B-8DAE-1953F412C126}" type="datetimeFigureOut">
               <a:rPr lang="en-US" dirty="0"/>
-              <a:t>8/30/2023</a:t>
+              <a:t>8/31/2023</a:t>
             </a:fld>
             <a:endParaRPr lang="en-US" dirty="0"/>
           </a:p>
@@ -2161,7 +2161,7 @@
           <a:p>
             <a:fld id="{48A87A34-81AB-432B-8DAE-1953F412C126}" type="datetimeFigureOut">
               <a:rPr lang="en-US" dirty="0"/>
-              <a:t>8/30/2023</a:t>
+              <a:t>8/31/2023</a:t>
             </a:fld>
             <a:endParaRPr lang="en-US" dirty="0"/>
           </a:p>
@@ -2282,7 +2282,7 @@
           <a:p>
             <a:fld id="{48A87A34-81AB-432B-8DAE-1953F412C126}" type="datetimeFigureOut">
               <a:rPr lang="en-US" dirty="0"/>
-              <a:t>8/30/2023</a:t>
+              <a:t>8/31/2023</a:t>
             </a:fld>
             <a:endParaRPr lang="en-US" dirty="0"/>
           </a:p>
@@ -2528,7 +2528,7 @@
           <a:p>
             <a:fld id="{48A87A34-81AB-432B-8DAE-1953F412C126}" type="datetimeFigureOut">
               <a:rPr lang="en-US" dirty="0"/>
-              <a:t>8/30/2023</a:t>
+              <a:t>8/31/2023</a:t>
             </a:fld>
             <a:endParaRPr lang="en-US" dirty="0"/>
           </a:p>
@@ -2969,7 +2969,7 @@
             <a:fld id="{48A87A34-81AB-432B-8DAE-1953F412C126}" type="datetimeFigureOut">
               <a:rPr lang="en-US" dirty="0"/>
               <a:pPr/>
-              <a:t>8/30/2023</a:t>
+              <a:t>8/31/2023</a:t>
             </a:fld>
             <a:endParaRPr lang="en-US" dirty="0"/>
           </a:p>
@@ -3291,7 +3291,7 @@
             <a:fld id="{48A87A34-81AB-432B-8DAE-1953F412C126}" type="datetimeFigureOut">
               <a:rPr lang="en-US" dirty="0"/>
               <a:pPr/>
-              <a:t>8/30/2023</a:t>
+              <a:t>8/31/2023</a:t>
             </a:fld>
             <a:endParaRPr lang="en-US" dirty="0"/>
           </a:p>
